--- a/training-cards/emotional erwachsen/Vision (VIS)/ger/apprentice/ger_VIS_06_Leben_mit_ohne_Vision_EE_A.pptx
+++ b/training-cards/emotional erwachsen/Vision (VIS)/ger/apprentice/ger_VIS_06_Leben_mit_ohne_Vision_EE_A.pptx
@@ -111,6 +111,22 @@
       </a:defRPr>
     </a:lvl9pPr>
   </p:defaultTextStyle>
+  <p:extLst>
+    <p:ext uri="{EFAFB233-063F-42B5-8137-9DF3F51BA10A}">
+      <p15:sldGuideLst xmlns:p15="http://schemas.microsoft.com/office/powerpoint/2012/main">
+        <p15:guide id="1" orient="horz" pos="872">
+          <p15:clr>
+            <a:srgbClr val="A4A3A4"/>
+          </p15:clr>
+        </p15:guide>
+        <p15:guide id="2" pos="718">
+          <p15:clr>
+            <a:srgbClr val="A4A3A4"/>
+          </p15:clr>
+        </p15:guide>
+      </p15:sldGuideLst>
+    </p:ext>
+  </p:extLst>
 </p:presentation>
 </file>
 
@@ -196,7 +212,7 @@
           <a:p>
             <a:fld id="{6E077CBB-2DF5-4D45-BDDD-22DB2684D07E}" type="datetimeFigureOut">
               <a:rPr lang="de-DE" smtClean="0"/>
-              <a:t>13.07.15</a:t>
+              <a:t>04.11.15</a:t>
             </a:fld>
             <a:endParaRPr lang="de-DE"/>
           </a:p>
@@ -361,7 +377,7 @@
           <a:p>
             <a:fld id="{28CA1EEA-8747-224F-96F6-9D3A7D84E6AC}" type="datetimeFigureOut">
               <a:rPr lang="de-DE" smtClean="0"/>
-              <a:t>13.07.15</a:t>
+              <a:t>04.11.15</a:t>
             </a:fld>
             <a:endParaRPr lang="de-DE"/>
           </a:p>
@@ -713,6 +729,90 @@
 </p:notes>
 </file>
 
+<file path=ppt/notesSlides/notesSlide2.xml><?xml version="1.0" encoding="utf-8"?>
+<p:notes xmlns:a="http://schemas.openxmlformats.org/drawingml/2006/main" xmlns:r="http://schemas.openxmlformats.org/officeDocument/2006/relationships" xmlns:p="http://schemas.openxmlformats.org/presentationml/2006/main">
+  <p:cSld>
+    <p:spTree>
+      <p:nvGrpSpPr>
+        <p:cNvPr id="1" name=""/>
+        <p:cNvGrpSpPr/>
+        <p:nvPr/>
+      </p:nvGrpSpPr>
+      <p:grpSpPr>
+        <a:xfrm>
+          <a:off x="0" y="0"/>
+          <a:ext cx="0" cy="0"/>
+          <a:chOff x="0" y="0"/>
+          <a:chExt cx="0" cy="0"/>
+        </a:xfrm>
+      </p:grpSpPr>
+      <p:sp>
+        <p:nvSpPr>
+          <p:cNvPr id="2" name="Folienbildplatzhalter 1"/>
+          <p:cNvSpPr>
+            <a:spLocks noGrp="1" noRot="1" noChangeAspect="1"/>
+          </p:cNvSpPr>
+          <p:nvPr>
+            <p:ph type="sldImg"/>
+          </p:nvPr>
+        </p:nvSpPr>
+        <p:spPr/>
+      </p:sp>
+      <p:sp>
+        <p:nvSpPr>
+          <p:cNvPr id="3" name="Notizenplatzhalter 2"/>
+          <p:cNvSpPr>
+            <a:spLocks noGrp="1"/>
+          </p:cNvSpPr>
+          <p:nvPr>
+            <p:ph type="body" idx="1"/>
+          </p:nvPr>
+        </p:nvSpPr>
+        <p:spPr/>
+        <p:txBody>
+          <a:bodyPr/>
+          <a:lstStyle/>
+          <a:p>
+            <a:endParaRPr lang="de-DE" dirty="0"/>
+          </a:p>
+        </p:txBody>
+      </p:sp>
+      <p:sp>
+        <p:nvSpPr>
+          <p:cNvPr id="4" name="Foliennummernplatzhalter 3"/>
+          <p:cNvSpPr>
+            <a:spLocks noGrp="1"/>
+          </p:cNvSpPr>
+          <p:nvPr>
+            <p:ph type="sldNum" sz="quarter" idx="10"/>
+          </p:nvPr>
+        </p:nvSpPr>
+        <p:spPr/>
+        <p:txBody>
+          <a:bodyPr/>
+          <a:lstStyle/>
+          <a:p>
+            <a:fld id="{07EF3B2F-4DC1-A74C-A0A7-B929143BC143}" type="slidenum">
+              <a:rPr lang="de-DE" smtClean="0"/>
+              <a:t>2</a:t>
+            </a:fld>
+            <a:endParaRPr lang="de-DE"/>
+          </a:p>
+        </p:txBody>
+      </p:sp>
+    </p:spTree>
+    <p:extLst>
+      <p:ext uri="{BB962C8B-B14F-4D97-AF65-F5344CB8AC3E}">
+        <p14:creationId xmlns:p14="http://schemas.microsoft.com/office/powerpoint/2010/main" val="316594883"/>
+      </p:ext>
+    </p:extLst>
+  </p:cSld>
+  <p:clrMapOvr>
+    <a:masterClrMapping/>
+  </p:clrMapOvr>
+</p:notes>
+</file>
+
 <file path=ppt/slideLayouts/slideLayout1.xml><?xml version="1.0" encoding="utf-8"?>
 <p:sldLayout xmlns:a="http://schemas.openxmlformats.org/drawingml/2006/main" xmlns:r="http://schemas.openxmlformats.org/officeDocument/2006/relationships" xmlns:p="http://schemas.openxmlformats.org/presentationml/2006/main" preserve="1" userDrawn="1">
   <p:cSld name="Titelfolie">
@@ -1211,6 +1311,162 @@
           </a:prstGeom>
         </p:spPr>
       </p:pic>
+      <p:sp>
+        <p:nvSpPr>
+          <p:cNvPr id="5" name="Textfeld 4"/>
+          <p:cNvSpPr txBox="1"/>
+          <p:nvPr userDrawn="1"/>
+        </p:nvSpPr>
+        <p:spPr>
+          <a:xfrm>
+            <a:off x="239285" y="4936890"/>
+            <a:ext cx="1044856" cy="276999"/>
+          </a:xfrm>
+          <a:prstGeom prst="rect">
+            <a:avLst/>
+          </a:prstGeom>
+          <a:noFill/>
+        </p:spPr>
+        <p:txBody>
+          <a:bodyPr wrap="square" rtlCol="0">
+            <a:spAutoFit/>
+          </a:bodyPr>
+          <a:lstStyle/>
+          <a:p>
+            <a:r>
+              <a:rPr lang="de-DE" sz="600" dirty="0">
+                <a:solidFill>
+                  <a:srgbClr val="5D5E5F"/>
+                </a:solidFill>
+                <a:latin typeface="Avenir Light"/>
+                <a:cs typeface="Avenir Light"/>
+              </a:rPr>
+              <a:t>Letzte Änderung: </a:t>
+            </a:r>
+            <a:fld id="{7A8C7DAC-E536-564C-B5B3-90E8FAB50562}" type="datetime1">
+              <a:rPr lang="de-DE" sz="600" smtClean="0">
+                <a:solidFill>
+                  <a:srgbClr val="5D5E5F"/>
+                </a:solidFill>
+                <a:latin typeface="Avenir Light"/>
+                <a:cs typeface="Avenir Light"/>
+              </a:rPr>
+              <a:t>04.11.15</a:t>
+            </a:fld>
+            <a:endParaRPr lang="de-DE" sz="600" dirty="0">
+              <a:solidFill>
+                <a:srgbClr val="5D5E5F"/>
+              </a:solidFill>
+              <a:latin typeface="Avenir Light"/>
+              <a:cs typeface="Avenir Light"/>
+            </a:endParaRPr>
+          </a:p>
+        </p:txBody>
+      </p:sp>
+      <p:sp>
+        <p:nvSpPr>
+          <p:cNvPr id="6" name="Shape 7"/>
+          <p:cNvSpPr/>
+          <p:nvPr userDrawn="1"/>
+        </p:nvSpPr>
+        <p:spPr>
+          <a:xfrm>
+            <a:off x="1619767" y="4952581"/>
+            <a:ext cx="4164935" cy="276995"/>
+          </a:xfrm>
+          <a:prstGeom prst="rect">
+            <a:avLst/>
+          </a:prstGeom>
+          <a:ln w="12700">
+            <a:miter lim="400000"/>
+          </a:ln>
+          <a:extLst>
+            <a:ext uri="{C572A759-6A51-4108-AA02-DFA0A04FC94B}">
+              <ma14:wrappingTextBoxFlag xmlns:ma14="http://schemas.microsoft.com/office/mac/drawingml/2011/main" val="1"/>
+            </a:ext>
+          </a:extLst>
+        </p:spPr>
+        <p:txBody>
+          <a:bodyPr wrap="none" lIns="45718" tIns="45718" rIns="45718" bIns="45718">
+            <a:spAutoFit/>
+          </a:bodyPr>
+          <a:lstStyle/>
+          <a:p>
+            <a:pPr lvl="0" algn="ctr">
+              <a:defRPr sz="1800"/>
+            </a:pPr>
+            <a:r>
+              <a:rPr sz="600" dirty="0">
+                <a:latin typeface="Avenir Light"/>
+                <a:ea typeface="Calibri"/>
+                <a:cs typeface="Avenir Light"/>
+                <a:sym typeface="Calibri"/>
+              </a:rPr>
+              <a:t>This work is licensed under the Creative Commons Attribution-NonCommercial-NoDerivatives 4.0 International License. </a:t>
+            </a:r>
+          </a:p>
+          <a:p>
+            <a:pPr lvl="0" algn="ctr">
+              <a:defRPr sz="1800"/>
+            </a:pPr>
+            <a:r>
+              <a:rPr sz="600" dirty="0">
+                <a:latin typeface="Avenir Light"/>
+                <a:ea typeface="Calibri"/>
+                <a:cs typeface="Avenir Light"/>
+                <a:sym typeface="Calibri"/>
+              </a:rPr>
+              <a:t>To view a copy of this license, visit </a:t>
+            </a:r>
+            <a:r>
+              <a:rPr sz="600" dirty="0">
+                <a:latin typeface="Avenir Light"/>
+                <a:ea typeface="Calibri"/>
+                <a:cs typeface="Avenir Light"/>
+                <a:sym typeface="Calibri"/>
+                <a:hlinkClick r:id="rId3"/>
+              </a:rPr>
+              <a:t>http://creativecommons.org/licenses/by-nc-nd/4.0/</a:t>
+            </a:r>
+            <a:r>
+              <a:rPr sz="600" dirty="0">
+                <a:latin typeface="Avenir Light"/>
+                <a:ea typeface="Calibri"/>
+                <a:cs typeface="Avenir Light"/>
+                <a:sym typeface="Calibri"/>
+              </a:rPr>
+              <a:t>.</a:t>
+            </a:r>
+          </a:p>
+        </p:txBody>
+      </p:sp>
+      <p:pic>
+        <p:nvPicPr>
+          <p:cNvPr id="7" name="pasted-image.tif"/>
+          <p:cNvPicPr/>
+          <p:nvPr userDrawn="1"/>
+        </p:nvPicPr>
+        <p:blipFill>
+          <a:blip r:embed="rId4">
+            <a:extLst/>
+          </a:blip>
+          <a:stretch>
+            <a:fillRect/>
+          </a:stretch>
+        </p:blipFill>
+        <p:spPr>
+          <a:xfrm>
+            <a:off x="6174185" y="4992838"/>
+            <a:ext cx="886619" cy="214128"/>
+          </a:xfrm>
+          <a:prstGeom prst="rect">
+            <a:avLst/>
+          </a:prstGeom>
+          <a:ln w="12700">
+            <a:miter lim="400000"/>
+          </a:ln>
+        </p:spPr>
+      </p:pic>
     </p:spTree>
     <p:extLst>
       <p:ext uri="{BB962C8B-B14F-4D97-AF65-F5344CB8AC3E}">
@@ -1285,7 +1541,7 @@
           <a:p>
             <a:fld id="{FF5B2BAF-DF38-0A48-A798-0C06E514FD52}" type="datetimeFigureOut">
               <a:rPr lang="de-DE" smtClean="0"/>
-              <a:t>13.07.15</a:t>
+              <a:t>04.11.15</a:t>
             </a:fld>
             <a:endParaRPr lang="de-DE" dirty="0"/>
           </a:p>
@@ -1528,7 +1784,7 @@
           <a:p>
             <a:fld id="{FF5B2BAF-DF38-0A48-A798-0C06E514FD52}" type="datetimeFigureOut">
               <a:rPr lang="de-DE" smtClean="0"/>
-              <a:t>13.07.15</a:t>
+              <a:t>04.11.15</a:t>
             </a:fld>
             <a:endParaRPr lang="de-DE" dirty="0"/>
           </a:p>
@@ -2459,6 +2715,223 @@
           </a:p>
           <a:p>
             <a:endParaRPr lang="de-DE" dirty="0"/>
+          </a:p>
+        </p:txBody>
+      </p:sp>
+      <p:sp>
+        <p:nvSpPr>
+          <p:cNvPr id="5" name="Untertitel 2"/>
+          <p:cNvSpPr txBox="1">
+            <a:spLocks/>
+          </p:cNvSpPr>
+          <p:nvPr/>
+        </p:nvSpPr>
+        <p:spPr>
+          <a:xfrm>
+            <a:off x="1211638" y="985245"/>
+            <a:ext cx="5293995" cy="354471"/>
+          </a:xfrm>
+          <a:prstGeom prst="rect">
+            <a:avLst/>
+          </a:prstGeom>
+        </p:spPr>
+        <p:txBody>
+          <a:bodyPr>
+            <a:normAutofit/>
+          </a:bodyPr>
+          <a:lstStyle>
+            <a:lvl1pPr marL="263525" indent="-263525" algn="l" defTabSz="403388" rtl="0" eaLnBrk="1" latinLnBrk="0" hangingPunct="1">
+              <a:lnSpc>
+                <a:spcPct val="150000"/>
+              </a:lnSpc>
+              <a:spcBef>
+                <a:spcPts val="0"/>
+              </a:spcBef>
+              <a:buClr>
+                <a:srgbClr val="229237"/>
+              </a:buClr>
+              <a:buSzPct val="250000"/>
+              <a:buFontTx/>
+              <a:buBlip>
+                <a:blip r:embed="rId3"/>
+              </a:buBlip>
+              <a:defRPr sz="1000" kern="1200">
+                <a:solidFill>
+                  <a:srgbClr val="5D5E5F"/>
+                </a:solidFill>
+                <a:latin typeface="Avenir Light"/>
+                <a:ea typeface="+mn-ea"/>
+                <a:cs typeface="Avenir Light"/>
+              </a:defRPr>
+            </a:lvl1pPr>
+            <a:lvl2pPr marL="630238" indent="-227013" algn="l" defTabSz="403388" rtl="0" eaLnBrk="1" latinLnBrk="0" hangingPunct="1">
+              <a:lnSpc>
+                <a:spcPct val="150000"/>
+              </a:lnSpc>
+              <a:spcBef>
+                <a:spcPts val="0"/>
+              </a:spcBef>
+              <a:buClr>
+                <a:srgbClr val="229237"/>
+              </a:buClr>
+              <a:buSzPct val="250000"/>
+              <a:buFontTx/>
+              <a:buBlip>
+                <a:blip r:embed="rId3"/>
+              </a:buBlip>
+              <a:defRPr sz="1000" kern="1200">
+                <a:solidFill>
+                  <a:srgbClr val="5D5E5F"/>
+                </a:solidFill>
+                <a:latin typeface="Avenir Light"/>
+                <a:ea typeface="+mn-ea"/>
+                <a:cs typeface="Avenir Light"/>
+              </a:defRPr>
+            </a:lvl2pPr>
+            <a:lvl3pPr marL="1008469" indent="-201694" algn="l" defTabSz="403388" rtl="0" eaLnBrk="1" latinLnBrk="0" hangingPunct="1">
+              <a:lnSpc>
+                <a:spcPct val="150000"/>
+              </a:lnSpc>
+              <a:spcBef>
+                <a:spcPts val="0"/>
+              </a:spcBef>
+              <a:buClr>
+                <a:srgbClr val="229237"/>
+              </a:buClr>
+              <a:buSzPct val="250000"/>
+              <a:buFontTx/>
+              <a:buBlip>
+                <a:blip r:embed="rId3"/>
+              </a:buBlip>
+              <a:defRPr sz="1000" kern="1200">
+                <a:solidFill>
+                  <a:srgbClr val="5D5E5F"/>
+                </a:solidFill>
+                <a:latin typeface="Avenir Light"/>
+                <a:ea typeface="+mn-ea"/>
+                <a:cs typeface="Avenir Light"/>
+              </a:defRPr>
+            </a:lvl3pPr>
+            <a:lvl4pPr marL="1411856" indent="-201694" algn="l" defTabSz="403388" rtl="0" eaLnBrk="1" latinLnBrk="0" hangingPunct="1">
+              <a:lnSpc>
+                <a:spcPct val="150000"/>
+              </a:lnSpc>
+              <a:spcBef>
+                <a:spcPts val="0"/>
+              </a:spcBef>
+              <a:buClr>
+                <a:srgbClr val="229237"/>
+              </a:buClr>
+              <a:buSzPct val="250000"/>
+              <a:buFontTx/>
+              <a:buBlip>
+                <a:blip r:embed="rId3"/>
+              </a:buBlip>
+              <a:defRPr sz="1000" kern="1200">
+                <a:solidFill>
+                  <a:srgbClr val="5D5E5F"/>
+                </a:solidFill>
+                <a:latin typeface="Avenir Light"/>
+                <a:ea typeface="+mn-ea"/>
+                <a:cs typeface="Avenir Light"/>
+              </a:defRPr>
+            </a:lvl4pPr>
+            <a:lvl5pPr marL="1815244" indent="-201694" algn="l" defTabSz="403388" rtl="0" eaLnBrk="1" latinLnBrk="0" hangingPunct="1">
+              <a:spcBef>
+                <a:spcPct val="20000"/>
+              </a:spcBef>
+              <a:buClr>
+                <a:srgbClr val="229237"/>
+              </a:buClr>
+              <a:buSzPct val="170000"/>
+              <a:buFontTx/>
+              <a:buBlip>
+                <a:blip r:embed="rId4"/>
+              </a:buBlip>
+              <a:defRPr sz="1000" kern="1200">
+                <a:solidFill>
+                  <a:srgbClr val="5D5E5F"/>
+                </a:solidFill>
+                <a:latin typeface="Avenir Light"/>
+                <a:ea typeface="+mn-ea"/>
+                <a:cs typeface="Avenir Light"/>
+              </a:defRPr>
+            </a:lvl5pPr>
+            <a:lvl6pPr marL="2218632" indent="-201694" algn="l" defTabSz="403388" rtl="0" eaLnBrk="1" latinLnBrk="0" hangingPunct="1">
+              <a:spcBef>
+                <a:spcPct val="20000"/>
+              </a:spcBef>
+              <a:buFont typeface="Arial"/>
+              <a:buChar char="•"/>
+              <a:defRPr sz="1800" kern="1200">
+                <a:solidFill>
+                  <a:schemeClr val="tx1"/>
+                </a:solidFill>
+                <a:latin typeface="+mn-lt"/>
+                <a:ea typeface="+mn-ea"/>
+                <a:cs typeface="+mn-cs"/>
+              </a:defRPr>
+            </a:lvl6pPr>
+            <a:lvl7pPr marL="2622019" indent="-201694" algn="l" defTabSz="403388" rtl="0" eaLnBrk="1" latinLnBrk="0" hangingPunct="1">
+              <a:spcBef>
+                <a:spcPct val="20000"/>
+              </a:spcBef>
+              <a:buFont typeface="Arial"/>
+              <a:buChar char="•"/>
+              <a:defRPr sz="1800" kern="1200">
+                <a:solidFill>
+                  <a:schemeClr val="tx1"/>
+                </a:solidFill>
+                <a:latin typeface="+mn-lt"/>
+                <a:ea typeface="+mn-ea"/>
+                <a:cs typeface="+mn-cs"/>
+              </a:defRPr>
+            </a:lvl7pPr>
+            <a:lvl8pPr marL="3025407" indent="-201694" algn="l" defTabSz="403388" rtl="0" eaLnBrk="1" latinLnBrk="0" hangingPunct="1">
+              <a:spcBef>
+                <a:spcPct val="20000"/>
+              </a:spcBef>
+              <a:buFont typeface="Arial"/>
+              <a:buChar char="•"/>
+              <a:defRPr sz="1800" kern="1200">
+                <a:solidFill>
+                  <a:schemeClr val="tx1"/>
+                </a:solidFill>
+                <a:latin typeface="+mn-lt"/>
+                <a:ea typeface="+mn-ea"/>
+                <a:cs typeface="+mn-cs"/>
+              </a:defRPr>
+            </a:lvl8pPr>
+            <a:lvl9pPr marL="3428794" indent="-201694" algn="l" defTabSz="403388" rtl="0" eaLnBrk="1" latinLnBrk="0" hangingPunct="1">
+              <a:spcBef>
+                <a:spcPct val="20000"/>
+              </a:spcBef>
+              <a:buFont typeface="Arial"/>
+              <a:buChar char="•"/>
+              <a:defRPr sz="1800" kern="1200">
+                <a:solidFill>
+                  <a:schemeClr val="tx1"/>
+                </a:solidFill>
+                <a:latin typeface="+mn-lt"/>
+                <a:ea typeface="+mn-ea"/>
+                <a:cs typeface="+mn-cs"/>
+              </a:defRPr>
+            </a:lvl9pPr>
+          </a:lstStyle>
+          <a:p>
+            <a:pPr marL="0" indent="0">
+              <a:buFontTx/>
+              <a:buNone/>
+            </a:pPr>
+            <a:r>
+              <a:rPr lang="de-DE" cap="all" dirty="0" smtClean="0"/>
+              <a:t>Regina </a:t>
+            </a:r>
+            <a:r>
+              <a:rPr lang="de-DE" cap="all" dirty="0" err="1" smtClean="0"/>
+              <a:t>Brandhuber</a:t>
+            </a:r>
+            <a:endParaRPr lang="de-DE" cap="all" dirty="0"/>
           </a:p>
         </p:txBody>
       </p:sp>
